--- a/Final Presentation.pptx
+++ b/Final Presentation.pptx
@@ -110,6 +110,11 @@
       </a:defRPr>
     </a:lvl9pPr>
   </p:defaultTextStyle>
+  <p:extLst>
+    <p:ext uri="{EFAFB233-063F-42B5-8137-9DF3F51BA10A}">
+      <p15:sldGuideLst xmlns:p15="http://schemas.microsoft.com/office/powerpoint/2012/main"/>
+    </p:ext>
+  </p:extLst>
 </p:presentation>
 </file>
 
@@ -298,7 +303,7 @@
           <a:p>
             <a:fld id="{88D38747-4367-4BD2-8D51-C97E202738E2}" type="datetime1">
               <a:rPr lang="en-US" smtClean="0"/>
-              <a:t>5/6/2021</a:t>
+              <a:t>5/16/2021</a:t>
             </a:fld>
             <a:endParaRPr lang="en-US" dirty="0"/>
           </a:p>
@@ -602,7 +607,7 @@
           <a:p>
             <a:fld id="{11F1B079-7EF0-44EE-B798-BCC497C9F3B2}" type="datetime1">
               <a:rPr lang="en-US" smtClean="0"/>
-              <a:t>5/6/2021</a:t>
+              <a:t>5/16/2021</a:t>
             </a:fld>
             <a:endParaRPr lang="en-US" dirty="0"/>
           </a:p>
@@ -796,7 +801,7 @@
           <a:p>
             <a:fld id="{28FF70A8-1D13-4657-95F0-A9EA54967B8D}" type="datetime1">
               <a:rPr lang="en-US" smtClean="0"/>
-              <a:t>5/6/2021</a:t>
+              <a:t>5/16/2021</a:t>
             </a:fld>
             <a:endParaRPr lang="en-US" dirty="0"/>
           </a:p>
@@ -1059,7 +1064,7 @@
           <a:p>
             <a:fld id="{21EB90AC-71BD-4C7F-8ACA-7B3F18292E63}" type="datetime1">
               <a:rPr lang="en-US" smtClean="0"/>
-              <a:t>5/6/2021</a:t>
+              <a:t>5/16/2021</a:t>
             </a:fld>
             <a:endParaRPr lang="en-US" dirty="0"/>
           </a:p>
@@ -1495,7 +1500,7 @@
           <a:p>
             <a:fld id="{4E6EFC2C-8905-46F0-B443-CE905B76BA01}" type="datetime1">
               <a:rPr lang="en-US" smtClean="0"/>
-              <a:t>5/6/2021</a:t>
+              <a:t>5/16/2021</a:t>
             </a:fld>
             <a:endParaRPr lang="en-US" dirty="0"/>
           </a:p>
@@ -2032,7 +2037,7 @@
           <a:p>
             <a:fld id="{D9079DC3-C9B5-499E-9140-0DC28B7074E2}" type="datetime1">
               <a:rPr lang="en-US" smtClean="0"/>
-              <a:t>5/6/2021</a:t>
+              <a:t>5/16/2021</a:t>
             </a:fld>
             <a:endParaRPr lang="en-US" dirty="0"/>
           </a:p>
@@ -2911,7 +2916,7 @@
           <a:p>
             <a:fld id="{30BB33EA-E472-4D22-9C03-A9C14AA21CED}" type="datetime1">
               <a:rPr lang="en-US" smtClean="0"/>
-              <a:t>5/6/2021</a:t>
+              <a:t>5/16/2021</a:t>
             </a:fld>
             <a:endParaRPr lang="en-US" dirty="0"/>
           </a:p>
@@ -3081,7 +3086,7 @@
           <a:p>
             <a:fld id="{217E833E-1B6D-415F-AD29-75AE8C43BD0D}" type="datetime1">
               <a:rPr lang="en-US" smtClean="0"/>
-              <a:t>5/6/2021</a:t>
+              <a:t>5/16/2021</a:t>
             </a:fld>
             <a:endParaRPr lang="en-US" dirty="0"/>
           </a:p>
@@ -3265,7 +3270,7 @@
           <a:p>
             <a:fld id="{8452596F-08A7-4B70-989A-F2B1CF31E66B}" type="datetime1">
               <a:rPr lang="en-US" smtClean="0"/>
-              <a:t>5/6/2021</a:t>
+              <a:t>5/16/2021</a:t>
             </a:fld>
             <a:endParaRPr lang="en-US" dirty="0"/>
           </a:p>
@@ -3435,7 +3440,7 @@
           <a:p>
             <a:fld id="{73C55A3C-5767-4844-A0A3-83778C2E5409}" type="datetime1">
               <a:rPr lang="en-US" smtClean="0"/>
-              <a:t>5/6/2021</a:t>
+              <a:t>5/16/2021</a:t>
             </a:fld>
             <a:endParaRPr lang="en-US" dirty="0"/>
           </a:p>
@@ -3679,7 +3684,7 @@
           <a:p>
             <a:fld id="{CAE507A8-A5CF-4D38-AB86-7EDDA87A85D4}" type="datetime1">
               <a:rPr lang="en-US" smtClean="0"/>
-              <a:t>5/6/2021</a:t>
+              <a:t>5/16/2021</a:t>
             </a:fld>
             <a:endParaRPr lang="en-US" dirty="0"/>
           </a:p>
@@ -3921,7 +3926,7 @@
           <a:p>
             <a:fld id="{BDFCD27C-8599-43EF-BA1D-14DDC1946E06}" type="datetime1">
               <a:rPr lang="en-US" smtClean="0"/>
-              <a:t>5/6/2021</a:t>
+              <a:t>5/16/2021</a:t>
             </a:fld>
             <a:endParaRPr lang="en-US" dirty="0"/>
           </a:p>
@@ -4402,7 +4407,7 @@
           <a:p>
             <a:fld id="{49343D99-809A-49C0-96E5-4250D0B498EE}" type="datetime1">
               <a:rPr lang="en-US" smtClean="0"/>
-              <a:t>5/6/2021</a:t>
+              <a:t>5/16/2021</a:t>
             </a:fld>
             <a:endParaRPr lang="en-US" dirty="0"/>
           </a:p>
@@ -4520,7 +4525,7 @@
           <a:p>
             <a:fld id="{A143DE9B-B678-4EFB-BB7D-A4370204A0B0}" type="datetime1">
               <a:rPr lang="en-US" smtClean="0"/>
-              <a:t>5/6/2021</a:t>
+              <a:t>5/16/2021</a:t>
             </a:fld>
             <a:endParaRPr lang="en-US" dirty="0"/>
           </a:p>
@@ -4615,7 +4620,7 @@
           <a:p>
             <a:fld id="{E68812DA-F765-4142-A6A3-A8ED7235E082}" type="datetime1">
               <a:rPr lang="en-US" smtClean="0"/>
-              <a:t>5/6/2021</a:t>
+              <a:t>5/16/2021</a:t>
             </a:fld>
             <a:endParaRPr lang="en-US" dirty="0"/>
           </a:p>
@@ -4870,7 +4875,7 @@
           <a:p>
             <a:fld id="{3E0277FD-7DE6-41D4-930D-AC99F5AFE54E}" type="datetime1">
               <a:rPr lang="en-US" smtClean="0"/>
-              <a:t>5/6/2021</a:t>
+              <a:t>5/16/2021</a:t>
             </a:fld>
             <a:endParaRPr lang="en-US" dirty="0"/>
           </a:p>
@@ -5176,7 +5181,7 @@
           <a:p>
             <a:fld id="{9EA15526-7079-4B7B-987C-1B5FAE11A0FF}" type="datetime1">
               <a:rPr lang="en-US" smtClean="0"/>
-              <a:t>5/6/2021</a:t>
+              <a:t>5/16/2021</a:t>
             </a:fld>
             <a:endParaRPr lang="en-US" dirty="0"/>
           </a:p>
@@ -5411,7 +5416,7 @@
           <a:p>
             <a:fld id="{073ED0CC-082F-4160-86E5-0D6041F12778}" type="datetime1">
               <a:rPr lang="en-US" smtClean="0"/>
-              <a:t>5/6/2021</a:t>
+              <a:t>5/16/2021</a:t>
             </a:fld>
             <a:endParaRPr lang="en-US" dirty="0"/>
           </a:p>
@@ -6719,7 +6724,29 @@
           <a:p>
             <a:r>
               <a:rPr lang="en-IE" sz="2800" b="1" dirty="0"/>
-              <a:t>Disability </a:t>
+              <a:t>Early Stages of Development</a:t>
+            </a:r>
+          </a:p>
+          <a:p>
+            <a:pPr marL="36900" indent="0">
+              <a:buNone/>
+            </a:pPr>
+            <a:r>
+              <a:rPr lang="en-IE" sz="2800" b="1" dirty="0"/>
+              <a:t>		</a:t>
+            </a:r>
+            <a:r>
+              <a:rPr lang="en-IE" sz="2800" dirty="0"/>
+              <a:t>New features </a:t>
+            </a:r>
+          </a:p>
+          <a:p>
+            <a:pPr marL="810000" lvl="2" indent="0">
+              <a:buNone/>
+            </a:pPr>
+            <a:r>
+              <a:rPr lang="en-IE" sz="2400" b="1" dirty="0"/>
+              <a:t>	 </a:t>
             </a:r>
           </a:p>
           <a:p>
@@ -6967,6 +6994,92 @@
                                           <p:spTgt spid="3">
                                             <p:txEl>
                                               <p:pRg st="4" end="4"/>
+                                            </p:txEl>
+                                          </p:spTgt>
+                                        </p:tgtEl>
+                                      </p:cBhvr>
+                                    </p:animEffect>
+                                  </p:childTnLst>
+                                </p:cTn>
+                              </p:par>
+                              <p:par>
+                                <p:cTn id="20" presetID="10" presetClass="entr" presetSubtype="0" fill="hold" nodeType="withEffect">
+                                  <p:stCondLst>
+                                    <p:cond delay="0"/>
+                                  </p:stCondLst>
+                                  <p:childTnLst>
+                                    <p:set>
+                                      <p:cBhvr>
+                                        <p:cTn id="21" dur="1" fill="hold">
+                                          <p:stCondLst>
+                                            <p:cond delay="0"/>
+                                          </p:stCondLst>
+                                        </p:cTn>
+                                        <p:tgtEl>
+                                          <p:spTgt spid="3">
+                                            <p:txEl>
+                                              <p:pRg st="5" end="5"/>
+                                            </p:txEl>
+                                          </p:spTgt>
+                                        </p:tgtEl>
+                                        <p:attrNameLst>
+                                          <p:attrName>style.visibility</p:attrName>
+                                        </p:attrNameLst>
+                                      </p:cBhvr>
+                                      <p:to>
+                                        <p:strVal val="visible"/>
+                                      </p:to>
+                                    </p:set>
+                                    <p:animEffect transition="in" filter="fade">
+                                      <p:cBhvr>
+                                        <p:cTn id="22" dur="500"/>
+                                        <p:tgtEl>
+                                          <p:spTgt spid="3">
+                                            <p:txEl>
+                                              <p:pRg st="5" end="5"/>
+                                            </p:txEl>
+                                          </p:spTgt>
+                                        </p:tgtEl>
+                                      </p:cBhvr>
+                                    </p:animEffect>
+                                  </p:childTnLst>
+                                </p:cTn>
+                              </p:par>
+                              <p:par>
+                                <p:cTn id="23" presetID="10" presetClass="entr" presetSubtype="0" fill="hold" nodeType="withEffect">
+                                  <p:stCondLst>
+                                    <p:cond delay="0"/>
+                                  </p:stCondLst>
+                                  <p:childTnLst>
+                                    <p:set>
+                                      <p:cBhvr>
+                                        <p:cTn id="24" dur="1" fill="hold">
+                                          <p:stCondLst>
+                                            <p:cond delay="0"/>
+                                          </p:stCondLst>
+                                        </p:cTn>
+                                        <p:tgtEl>
+                                          <p:spTgt spid="3">
+                                            <p:txEl>
+                                              <p:pRg st="6" end="6"/>
+                                            </p:txEl>
+                                          </p:spTgt>
+                                        </p:tgtEl>
+                                        <p:attrNameLst>
+                                          <p:attrName>style.visibility</p:attrName>
+                                        </p:attrNameLst>
+                                      </p:cBhvr>
+                                      <p:to>
+                                        <p:strVal val="visible"/>
+                                      </p:to>
+                                    </p:set>
+                                    <p:animEffect transition="in" filter="fade">
+                                      <p:cBhvr>
+                                        <p:cTn id="25" dur="500"/>
+                                        <p:tgtEl>
+                                          <p:spTgt spid="3">
+                                            <p:txEl>
+                                              <p:pRg st="6" end="6"/>
                                             </p:txEl>
                                           </p:spTgt>
                                         </p:tgtEl>
@@ -7732,7 +7845,12 @@
             <p:ph idx="1"/>
           </p:nvPr>
         </p:nvSpPr>
-        <p:spPr/>
+        <p:spPr>
+          <a:xfrm>
+            <a:off x="913795" y="1801091"/>
+            <a:ext cx="10353762" cy="4447309"/>
+          </a:xfrm>
+        </p:spPr>
         <p:txBody>
           <a:bodyPr>
             <a:normAutofit/>
@@ -7740,21 +7858,58 @@
           <a:lstStyle/>
           <a:p>
             <a:r>
+              <a:rPr lang="en-IE" sz="2800" b="1" dirty="0"/>
+              <a:t>ESP32 Processing Time</a:t>
+            </a:r>
+          </a:p>
+          <a:p>
+            <a:pPr marL="36900" indent="0">
+              <a:buNone/>
+            </a:pPr>
+            <a:r>
               <a:rPr lang="en-IE" sz="2800" dirty="0"/>
-              <a:t>ESP32 Processing Time</a:t>
-            </a:r>
-          </a:p>
-          <a:p>
+              <a:t>		FreeRTOS – Tasks </a:t>
+            </a:r>
+          </a:p>
+          <a:p>
+            <a:pPr marL="36900" indent="0">
+              <a:buNone/>
+            </a:pPr>
             <a:r>
               <a:rPr lang="en-IE" sz="2800" dirty="0"/>
-              <a:t>Ultrasonic sensors</a:t>
-            </a:r>
-          </a:p>
-          <a:p>
+              <a:t>		2 Cores</a:t>
+            </a:r>
+          </a:p>
+          <a:p>
+            <a:r>
+              <a:rPr lang="en-IE" sz="2800" b="1" dirty="0"/>
+              <a:t>Ultrasonic Sensors </a:t>
+            </a:r>
+          </a:p>
+          <a:p>
+            <a:pPr marL="36900" indent="0">
+              <a:buNone/>
+            </a:pPr>
+            <a:r>
+              <a:rPr lang="en-IE" sz="2800" b="1" dirty="0"/>
+              <a:t>		</a:t>
+            </a:r>
             <a:r>
               <a:rPr lang="en-IE" sz="2800" dirty="0"/>
-              <a:t>Missing lanes</a:t>
-            </a:r>
+              <a:t>Free RTOS -Event group</a:t>
+            </a:r>
+          </a:p>
+          <a:p>
+            <a:r>
+              <a:rPr lang="en-IE" sz="2800" b="1" dirty="0"/>
+              <a:t>Learn Python language</a:t>
+            </a:r>
+          </a:p>
+          <a:p>
+            <a:pPr marL="36900" indent="0">
+              <a:buNone/>
+            </a:pPr>
+            <a:endParaRPr lang="en-IE" sz="2800" b="1" dirty="0"/>
           </a:p>
           <a:p>
             <a:endParaRPr lang="en-IE" sz="2800" dirty="0"/>
